--- a/定题课.pptx
+++ b/定题课.pptx
@@ -5082,7 +5082,7 @@
         </p:nvSpPr>
         <p:spPr>
           <a:xfrm>
-            <a:off x="700014" y="1906920"/>
+            <a:off x="700014" y="2008520"/>
             <a:ext cx="10972440" cy="1144800"/>
           </a:xfrm>
         </p:spPr>
